--- a/ppts/PSet Final HashingQuiz.pptx
+++ b/ppts/PSet Final HashingQuiz.pptx
@@ -217,7 +217,7 @@
           <a:p>
             <a:fld id="{648057B7-EFC7-4AC6-B479-CDD44EB7D654}" type="datetimeFigureOut">
               <a:rPr lang="ko-KR" altLang="en-US" smtClean="0"/>
-              <a:t>20-12-06</a:t>
+              <a:t>20-12-07</a:t>
             </a:fld>
             <a:endParaRPr lang="ko-KR" altLang="en-US"/>
           </a:p>
@@ -6996,19 +6996,8 @@
                 <a:latin typeface="Tahoma"/>
                 <a:cs typeface="Tahoma"/>
               </a:rPr>
-              <a:t>For example, linear probing for </a:t>
-            </a:r>
-            <a:r>
-              <a:rPr lang="en-US" altLang="ko-KR" sz="1600" spc="-5" dirty="0" smtClean="0">
-                <a:latin typeface="Tahoma"/>
-                <a:cs typeface="Tahoma"/>
-              </a:rPr>
-              <a:t>58</a:t>
-            </a:r>
-            <a:endParaRPr lang="en-US" altLang="ko-KR" sz="1600" spc="-5" dirty="0" smtClean="0">
-              <a:latin typeface="Tahoma"/>
-              <a:cs typeface="Tahoma"/>
-            </a:endParaRPr>
+              <a:t>For example, linear probing for 58</a:t>
+            </a:r>
           </a:p>
           <a:p>
             <a:pPr marL="72000" lvl="1">
@@ -7156,14 +7145,7 @@
                 <a:latin typeface="Tahoma"/>
                 <a:cs typeface="Tahoma"/>
               </a:rPr>
-              <a:t>8 </a:t>
-            </a:r>
-            <a:r>
-              <a:rPr lang="en-US" altLang="ko-KR" sz="1600" dirty="0" smtClean="0">
-                <a:latin typeface="Tahoma"/>
-                <a:cs typeface="Tahoma"/>
-              </a:rPr>
-              <a:t>(collision)</a:t>
+              <a:t>8 (collision)</a:t>
             </a:r>
             <a:endParaRPr lang="en-US" altLang="ko-KR" sz="1600" dirty="0">
               <a:latin typeface="Tahoma"/>
@@ -7227,17 +7209,7 @@
                 <a:latin typeface="Tahoma"/>
                 <a:cs typeface="Tahoma"/>
               </a:rPr>
-              <a:t> </a:t>
-            </a:r>
-            <a:r>
-              <a:rPr lang="en-US" altLang="ko-KR" sz="1600" dirty="0" smtClean="0">
-                <a:solidFill>
-                  <a:srgbClr val="C00000"/>
-                </a:solidFill>
-                <a:latin typeface="Tahoma"/>
-                <a:cs typeface="Tahoma"/>
-              </a:rPr>
-              <a:t>1</a:t>
+              <a:t> 1</a:t>
             </a:r>
             <a:r>
               <a:rPr lang="en-US" altLang="ko-KR" sz="1600" spc="-5" dirty="0" smtClean="0">
@@ -7359,6 +7331,35 @@
               <a:latin typeface="Tahoma"/>
               <a:cs typeface="Tahoma"/>
             </a:endParaRPr>
+          </a:p>
+        </p:txBody>
+      </p:sp>
+      <p:sp>
+        <p:nvSpPr>
+          <p:cNvPr id="25" name="직사각형 24"/>
+          <p:cNvSpPr/>
+          <p:nvPr/>
+        </p:nvSpPr>
+        <p:spPr>
+          <a:xfrm>
+            <a:off x="7493295" y="1554415"/>
+            <a:ext cx="3539752" cy="307777"/>
+          </a:xfrm>
+          <a:prstGeom prst="rect">
+            <a:avLst/>
+          </a:prstGeom>
+        </p:spPr>
+        <p:txBody>
+          <a:bodyPr wrap="none">
+            <a:spAutoFit/>
+          </a:bodyPr>
+          <a:lstStyle/>
+          <a:p>
+            <a:r>
+              <a:rPr lang="en-US" altLang="ko-KR" sz="1400" dirty="0" smtClean="0"/>
+              <a:t>Complete the table and hash function</a:t>
+            </a:r>
+            <a:endParaRPr lang="ko-KR" altLang="en-US" sz="1400" dirty="0"/>
           </a:p>
         </p:txBody>
       </p:sp>
@@ -11940,19 +11941,8 @@
                 <a:latin typeface="Tahoma"/>
                 <a:cs typeface="Tahoma"/>
               </a:rPr>
-              <a:t>For example, linear probing for </a:t>
-            </a:r>
-            <a:r>
-              <a:rPr lang="en-US" altLang="ko-KR" sz="1600" spc="-5" dirty="0" smtClean="0">
-                <a:latin typeface="Tahoma"/>
-                <a:cs typeface="Tahoma"/>
-              </a:rPr>
-              <a:t>58</a:t>
-            </a:r>
-            <a:endParaRPr lang="en-US" altLang="ko-KR" sz="1600" spc="-5" dirty="0" smtClean="0">
-              <a:latin typeface="Tahoma"/>
-              <a:cs typeface="Tahoma"/>
-            </a:endParaRPr>
+              <a:t>For example, linear probing for 58</a:t>
+            </a:r>
           </a:p>
           <a:p>
             <a:pPr marL="72000" lvl="1">
@@ -12100,14 +12090,7 @@
                 <a:latin typeface="Tahoma"/>
                 <a:cs typeface="Tahoma"/>
               </a:rPr>
-              <a:t>8 </a:t>
-            </a:r>
-            <a:r>
-              <a:rPr lang="en-US" altLang="ko-KR" sz="1600" dirty="0" smtClean="0">
-                <a:latin typeface="Tahoma"/>
-                <a:cs typeface="Tahoma"/>
-              </a:rPr>
-              <a:t>(collision)</a:t>
+              <a:t>8 (collision)</a:t>
             </a:r>
             <a:endParaRPr lang="en-US" altLang="ko-KR" sz="1600" dirty="0">
               <a:latin typeface="Tahoma"/>
@@ -12171,17 +12154,7 @@
                 <a:latin typeface="Tahoma"/>
                 <a:cs typeface="Tahoma"/>
               </a:rPr>
-              <a:t> </a:t>
-            </a:r>
-            <a:r>
-              <a:rPr lang="en-US" altLang="ko-KR" sz="1600" dirty="0" smtClean="0">
-                <a:solidFill>
-                  <a:srgbClr val="C00000"/>
-                </a:solidFill>
-                <a:latin typeface="Tahoma"/>
-                <a:cs typeface="Tahoma"/>
-              </a:rPr>
-              <a:t>1</a:t>
+              <a:t> 1</a:t>
             </a:r>
             <a:r>
               <a:rPr lang="en-US" altLang="ko-KR" sz="1600" spc="-5" dirty="0" smtClean="0">
@@ -12209,14 +12182,7 @@
                 <a:latin typeface="Tahoma"/>
                 <a:cs typeface="Tahoma"/>
               </a:rPr>
-              <a:t>9 </a:t>
-            </a:r>
-            <a:r>
-              <a:rPr lang="en-US" altLang="ko-KR" sz="1600" dirty="0" smtClean="0">
-                <a:latin typeface="Tahoma"/>
-                <a:cs typeface="Tahoma"/>
-              </a:rPr>
-              <a:t>(collision)</a:t>
+              <a:t>9 (collision)</a:t>
             </a:r>
           </a:p>
           <a:p>
@@ -12473,6 +12439,35 @@
               <a:latin typeface="Tahoma"/>
               <a:cs typeface="Tahoma"/>
             </a:endParaRPr>
+          </a:p>
+        </p:txBody>
+      </p:sp>
+      <p:sp>
+        <p:nvSpPr>
+          <p:cNvPr id="40" name="직사각형 39"/>
+          <p:cNvSpPr/>
+          <p:nvPr/>
+        </p:nvSpPr>
+        <p:spPr>
+          <a:xfrm>
+            <a:off x="7493295" y="1554415"/>
+            <a:ext cx="3539752" cy="307777"/>
+          </a:xfrm>
+          <a:prstGeom prst="rect">
+            <a:avLst/>
+          </a:prstGeom>
+        </p:spPr>
+        <p:txBody>
+          <a:bodyPr wrap="none">
+            <a:spAutoFit/>
+          </a:bodyPr>
+          <a:lstStyle/>
+          <a:p>
+            <a:r>
+              <a:rPr lang="en-US" altLang="ko-KR" sz="1400" dirty="0" smtClean="0"/>
+              <a:t>Complete the table and hash function</a:t>
+            </a:r>
+            <a:endParaRPr lang="ko-KR" altLang="en-US" sz="1400" dirty="0"/>
           </a:p>
         </p:txBody>
       </p:sp>
@@ -17674,6 +17669,64 @@
           </a:p>
         </p:txBody>
       </p:sp>
+      <p:sp>
+        <p:nvSpPr>
+          <p:cNvPr id="33" name="직사각형 32"/>
+          <p:cNvSpPr/>
+          <p:nvPr/>
+        </p:nvSpPr>
+        <p:spPr>
+          <a:xfrm>
+            <a:off x="8037764" y="1688839"/>
+            <a:ext cx="3223959" cy="307777"/>
+          </a:xfrm>
+          <a:prstGeom prst="rect">
+            <a:avLst/>
+          </a:prstGeom>
+        </p:spPr>
+        <p:txBody>
+          <a:bodyPr wrap="none">
+            <a:spAutoFit/>
+          </a:bodyPr>
+          <a:lstStyle/>
+          <a:p>
+            <a:r>
+              <a:rPr lang="en-US" altLang="ko-KR" sz="1400" dirty="0" smtClean="0"/>
+              <a:t>No coloring is required in this page.</a:t>
+            </a:r>
+            <a:endParaRPr lang="ko-KR" altLang="en-US" sz="1400" dirty="0"/>
+          </a:p>
+        </p:txBody>
+      </p:sp>
+      <p:sp>
+        <p:nvSpPr>
+          <p:cNvPr id="34" name="직사각형 33"/>
+          <p:cNvSpPr/>
+          <p:nvPr/>
+        </p:nvSpPr>
+        <p:spPr>
+          <a:xfrm>
+            <a:off x="8037764" y="1378879"/>
+            <a:ext cx="3539752" cy="307777"/>
+          </a:xfrm>
+          <a:prstGeom prst="rect">
+            <a:avLst/>
+          </a:prstGeom>
+        </p:spPr>
+        <p:txBody>
+          <a:bodyPr wrap="none">
+            <a:spAutoFit/>
+          </a:bodyPr>
+          <a:lstStyle/>
+          <a:p>
+            <a:r>
+              <a:rPr lang="en-US" altLang="ko-KR" sz="1400" dirty="0" smtClean="0"/>
+              <a:t>Complete the table and hash function</a:t>
+            </a:r>
+            <a:endParaRPr lang="ko-KR" altLang="en-US" sz="1400" dirty="0"/>
+          </a:p>
+        </p:txBody>
+      </p:sp>
     </p:spTree>
     <p:extLst>
       <p:ext uri="{BB962C8B-B14F-4D97-AF65-F5344CB8AC3E}">
@@ -20997,6 +21050,64 @@
           </a:p>
         </p:txBody>
       </p:sp>
+      <p:sp>
+        <p:nvSpPr>
+          <p:cNvPr id="33" name="직사각형 32"/>
+          <p:cNvSpPr/>
+          <p:nvPr/>
+        </p:nvSpPr>
+        <p:spPr>
+          <a:xfrm>
+            <a:off x="8037764" y="1688839"/>
+            <a:ext cx="3223959" cy="307777"/>
+          </a:xfrm>
+          <a:prstGeom prst="rect">
+            <a:avLst/>
+          </a:prstGeom>
+        </p:spPr>
+        <p:txBody>
+          <a:bodyPr wrap="none">
+            <a:spAutoFit/>
+          </a:bodyPr>
+          <a:lstStyle/>
+          <a:p>
+            <a:r>
+              <a:rPr lang="en-US" altLang="ko-KR" sz="1400" dirty="0" smtClean="0"/>
+              <a:t>No coloring is required in this page.</a:t>
+            </a:r>
+            <a:endParaRPr lang="ko-KR" altLang="en-US" sz="1400" dirty="0"/>
+          </a:p>
+        </p:txBody>
+      </p:sp>
+      <p:sp>
+        <p:nvSpPr>
+          <p:cNvPr id="34" name="직사각형 33"/>
+          <p:cNvSpPr/>
+          <p:nvPr/>
+        </p:nvSpPr>
+        <p:spPr>
+          <a:xfrm>
+            <a:off x="8037764" y="1378879"/>
+            <a:ext cx="3539752" cy="307777"/>
+          </a:xfrm>
+          <a:prstGeom prst="rect">
+            <a:avLst/>
+          </a:prstGeom>
+        </p:spPr>
+        <p:txBody>
+          <a:bodyPr wrap="none">
+            <a:spAutoFit/>
+          </a:bodyPr>
+          <a:lstStyle/>
+          <a:p>
+            <a:r>
+              <a:rPr lang="en-US" altLang="ko-KR" sz="1400" dirty="0" smtClean="0"/>
+              <a:t>Complete the table and hash function</a:t>
+            </a:r>
+            <a:endParaRPr lang="ko-KR" altLang="en-US" sz="1400" dirty="0"/>
+          </a:p>
+        </p:txBody>
+      </p:sp>
     </p:spTree>
     <p:extLst>
       <p:ext uri="{BB962C8B-B14F-4D97-AF65-F5344CB8AC3E}">
@@ -24299,6 +24410,64 @@
               <a:t>10</a:t>
             </a:r>
             <a:endParaRPr lang="en-US" altLang="ko-KR" sz="2000" dirty="0"/>
+          </a:p>
+        </p:txBody>
+      </p:sp>
+      <p:sp>
+        <p:nvSpPr>
+          <p:cNvPr id="32" name="직사각형 31"/>
+          <p:cNvSpPr/>
+          <p:nvPr/>
+        </p:nvSpPr>
+        <p:spPr>
+          <a:xfrm>
+            <a:off x="8037764" y="1688839"/>
+            <a:ext cx="3223959" cy="307777"/>
+          </a:xfrm>
+          <a:prstGeom prst="rect">
+            <a:avLst/>
+          </a:prstGeom>
+        </p:spPr>
+        <p:txBody>
+          <a:bodyPr wrap="none">
+            <a:spAutoFit/>
+          </a:bodyPr>
+          <a:lstStyle/>
+          <a:p>
+            <a:r>
+              <a:rPr lang="en-US" altLang="ko-KR" sz="1400" dirty="0" smtClean="0"/>
+              <a:t>No coloring is required in this page.</a:t>
+            </a:r>
+            <a:endParaRPr lang="ko-KR" altLang="en-US" sz="1400" dirty="0"/>
+          </a:p>
+        </p:txBody>
+      </p:sp>
+      <p:sp>
+        <p:nvSpPr>
+          <p:cNvPr id="33" name="직사각형 32"/>
+          <p:cNvSpPr/>
+          <p:nvPr/>
+        </p:nvSpPr>
+        <p:spPr>
+          <a:xfrm>
+            <a:off x="8037764" y="1378879"/>
+            <a:ext cx="3539752" cy="307777"/>
+          </a:xfrm>
+          <a:prstGeom prst="rect">
+            <a:avLst/>
+          </a:prstGeom>
+        </p:spPr>
+        <p:txBody>
+          <a:bodyPr wrap="none">
+            <a:spAutoFit/>
+          </a:bodyPr>
+          <a:lstStyle/>
+          <a:p>
+            <a:r>
+              <a:rPr lang="en-US" altLang="ko-KR" sz="1400" dirty="0" smtClean="0"/>
+              <a:t>Complete the table and hash function</a:t>
+            </a:r>
+            <a:endParaRPr lang="ko-KR" altLang="en-US" sz="1400" dirty="0"/>
           </a:p>
         </p:txBody>
       </p:sp>

--- a/ppts/PSet Final HashingQuiz.pptx
+++ b/ppts/PSet Final HashingQuiz.pptx
@@ -6733,7 +6733,21 @@
                 <a:latin typeface="Tahoma"/>
                 <a:cs typeface="Tahoma"/>
               </a:rPr>
-              <a:t>For example, linear probing for 69</a:t>
+              <a:t>For example, </a:t>
+            </a:r>
+            <a:r>
+              <a:rPr lang="en-US" altLang="ko-KR" sz="1600" spc="-5" dirty="0">
+                <a:latin typeface="Tahoma"/>
+                <a:cs typeface="Tahoma"/>
+              </a:rPr>
+              <a:t>quadratic </a:t>
+            </a:r>
+            <a:r>
+              <a:rPr lang="en-US" altLang="ko-KR" sz="1600" spc="-5" dirty="0" smtClean="0">
+                <a:latin typeface="Tahoma"/>
+                <a:cs typeface="Tahoma"/>
+              </a:rPr>
+              <a:t>probing for 69</a:t>
             </a:r>
           </a:p>
           <a:p>
@@ -6996,7 +7010,21 @@
                 <a:latin typeface="Tahoma"/>
                 <a:cs typeface="Tahoma"/>
               </a:rPr>
-              <a:t>For example, linear probing for 58</a:t>
+              <a:t>For example, </a:t>
+            </a:r>
+            <a:r>
+              <a:rPr lang="en-US" altLang="ko-KR" sz="1600" spc="-5" dirty="0">
+                <a:latin typeface="Tahoma"/>
+                <a:cs typeface="Tahoma"/>
+              </a:rPr>
+              <a:t>quadratic </a:t>
+            </a:r>
+            <a:r>
+              <a:rPr lang="en-US" altLang="ko-KR" sz="1600" spc="-5" dirty="0" smtClean="0">
+                <a:latin typeface="Tahoma"/>
+                <a:cs typeface="Tahoma"/>
+              </a:rPr>
+              <a:t>probing for 58</a:t>
             </a:r>
           </a:p>
           <a:p>
@@ -11941,7 +11969,7 @@
                 <a:latin typeface="Tahoma"/>
                 <a:cs typeface="Tahoma"/>
               </a:rPr>
-              <a:t>For example, linear probing for 58</a:t>
+              <a:t>For example, quadratic probing for 58</a:t>
             </a:r>
           </a:p>
           <a:p>
@@ -12320,7 +12348,21 @@
                 <a:latin typeface="Tahoma"/>
                 <a:cs typeface="Tahoma"/>
               </a:rPr>
-              <a:t>For example, linear probing for 69</a:t>
+              <a:t>For example, </a:t>
+            </a:r>
+            <a:r>
+              <a:rPr lang="en-US" altLang="ko-KR" sz="1600" spc="-5" dirty="0">
+                <a:latin typeface="Tahoma"/>
+                <a:cs typeface="Tahoma"/>
+              </a:rPr>
+              <a:t>quadratic probing </a:t>
+            </a:r>
+            <a:r>
+              <a:rPr lang="en-US" altLang="ko-KR" sz="1600" spc="-5" dirty="0" smtClean="0">
+                <a:latin typeface="Tahoma"/>
+                <a:cs typeface="Tahoma"/>
+              </a:rPr>
+              <a:t>for 69</a:t>
             </a:r>
           </a:p>
           <a:p>
@@ -23575,7 +23617,7 @@
         <p:spPr>
           <a:xfrm>
             <a:off x="6139120" y="3645024"/>
-            <a:ext cx="5813970" cy="2893100"/>
+            <a:ext cx="5813970" cy="2677656"/>
           </a:xfrm>
           <a:prstGeom prst="rect">
             <a:avLst/>
@@ -23626,17 +23668,14 @@
               <a:rPr lang="en-US" altLang="ko-KR" sz="1400" dirty="0">
                 <a:latin typeface="+mn-ea"/>
               </a:rPr>
-              <a:t>) = 8 mod 7 = </a:t>
+              <a:t>) </a:t>
             </a:r>
             <a:r>
               <a:rPr lang="en-US" altLang="ko-KR" sz="1400" dirty="0" smtClean="0">
                 <a:latin typeface="+mn-ea"/>
               </a:rPr>
-              <a:t>1</a:t>
-            </a:r>
-            <a:endParaRPr lang="en-US" altLang="ko-KR" sz="1400" dirty="0">
-              <a:latin typeface="+mn-ea"/>
-            </a:endParaRPr>
+              <a:t>=</a:t>
+            </a:r>
           </a:p>
           <a:p>
             <a:pPr fontAlgn="base">
@@ -23676,13 +23715,13 @@
               <a:rPr lang="en-US" altLang="ko-KR" sz="1400" dirty="0">
                 <a:latin typeface="+mn-ea"/>
               </a:rPr>
-              <a:t>) = 1 mod 7 = </a:t>
+              <a:t>) </a:t>
             </a:r>
             <a:r>
               <a:rPr lang="en-US" altLang="ko-KR" sz="1400" dirty="0" smtClean="0">
                 <a:latin typeface="+mn-ea"/>
               </a:rPr>
-              <a:t>1</a:t>
+              <a:t>=</a:t>
             </a:r>
           </a:p>
           <a:p>
@@ -23723,17 +23762,14 @@
               <a:rPr lang="en-US" altLang="ko-KR" sz="1400" dirty="0">
                 <a:latin typeface="+mn-ea"/>
               </a:rPr>
-              <a:t>) = 9 mod 7 = </a:t>
+              <a:t>) </a:t>
             </a:r>
             <a:r>
               <a:rPr lang="en-US" altLang="ko-KR" sz="1400" dirty="0" smtClean="0">
                 <a:latin typeface="+mn-ea"/>
               </a:rPr>
-              <a:t>2</a:t>
-            </a:r>
-            <a:endParaRPr lang="en-US" altLang="ko-KR" sz="1400" dirty="0">
-              <a:latin typeface="+mn-ea"/>
-            </a:endParaRPr>
+              <a:t>=</a:t>
+            </a:r>
           </a:p>
           <a:p>
             <a:pPr fontAlgn="base">
@@ -23773,17 +23809,14 @@
               <a:rPr lang="en-US" altLang="ko-KR" sz="1400" dirty="0">
                 <a:latin typeface="+mn-ea"/>
               </a:rPr>
-              <a:t>) = 6 mod 7 = </a:t>
+              <a:t>) </a:t>
             </a:r>
             <a:r>
               <a:rPr lang="en-US" altLang="ko-KR" sz="1400" dirty="0" smtClean="0">
                 <a:latin typeface="+mn-ea"/>
               </a:rPr>
-              <a:t>6</a:t>
-            </a:r>
-            <a:endParaRPr lang="en-US" altLang="ko-KR" sz="1400" dirty="0">
-              <a:latin typeface="+mn-ea"/>
-            </a:endParaRPr>
+              <a:t>=</a:t>
+            </a:r>
           </a:p>
           <a:p>
             <a:pPr fontAlgn="base">
@@ -23791,6 +23824,12 @@
                 <a:spcPct val="0"/>
               </a:spcBef>
             </a:pPr>
+            <a:r>
+              <a:rPr lang="en-US" altLang="ko-KR" sz="1400" dirty="0" smtClean="0">
+                <a:latin typeface="+mn-ea"/>
+              </a:rPr>
+              <a:t> </a:t>
+            </a:r>
             <a:endParaRPr lang="en-US" altLang="ko-KR" sz="1400" dirty="0" smtClean="0">
               <a:latin typeface="+mn-ea"/>
             </a:endParaRPr>
@@ -23820,40 +23859,14 @@
               <a:t>(13) </a:t>
             </a:r>
             <a:r>
-              <a:rPr lang="en-US" altLang="ko-KR" sz="1400" dirty="0">
+              <a:rPr lang="en-US" altLang="ko-KR" sz="1400" dirty="0" smtClean="0">
                 <a:latin typeface="+mn-ea"/>
               </a:rPr>
               <a:t>= </a:t>
             </a:r>
-            <a:r>
-              <a:rPr lang="en-US" altLang="ko-KR" sz="1400" dirty="0" smtClean="0">
-                <a:latin typeface="+mn-ea"/>
-              </a:rPr>
-              <a:t>15 </a:t>
-            </a:r>
-            <a:r>
-              <a:rPr lang="en-US" altLang="ko-KR" sz="1400" dirty="0">
-                <a:latin typeface="+mn-ea"/>
-              </a:rPr>
-              <a:t>mod 7 = </a:t>
-            </a:r>
-            <a:r>
-              <a:rPr lang="en-US" altLang="ko-KR" sz="1400" dirty="0" smtClean="0">
-                <a:latin typeface="+mn-ea"/>
-              </a:rPr>
-              <a:t>1 </a:t>
-            </a:r>
-            <a:endParaRPr lang="en-US" altLang="ko-KR" sz="1400" dirty="0">
+            <a:endParaRPr lang="en-US" altLang="ko-KR" sz="1400" dirty="0" smtClean="0">
               <a:latin typeface="+mn-ea"/>
             </a:endParaRPr>
-          </a:p>
-          <a:p>
-            <a:r>
-              <a:rPr lang="en-US" altLang="ko-KR" sz="1400" dirty="0" smtClean="0">
-                <a:latin typeface="+mn-ea"/>
-              </a:rPr>
-              <a:t>.</a:t>
-            </a:r>
           </a:p>
           <a:p>
             <a:r>

--- a/ppts/PSet Final HashingQuiz.pptx
+++ b/ppts/PSet Final HashingQuiz.pptx
@@ -23830,9 +23830,6 @@
               </a:rPr>
               <a:t> </a:t>
             </a:r>
-            <a:endParaRPr lang="en-US" altLang="ko-KR" sz="1400" dirty="0" smtClean="0">
-              <a:latin typeface="+mn-ea"/>
-            </a:endParaRPr>
           </a:p>
           <a:p>
             <a:pPr fontAlgn="base">
@@ -23856,17 +23853,8 @@
               <a:rPr lang="en-US" altLang="ko-KR" sz="1400" dirty="0" smtClean="0">
                 <a:latin typeface="+mn-ea"/>
               </a:rPr>
-              <a:t>(13) </a:t>
-            </a:r>
-            <a:r>
-              <a:rPr lang="en-US" altLang="ko-KR" sz="1400" dirty="0" smtClean="0">
-                <a:latin typeface="+mn-ea"/>
-              </a:rPr>
-              <a:t>= </a:t>
-            </a:r>
-            <a:endParaRPr lang="en-US" altLang="ko-KR" sz="1400" dirty="0" smtClean="0">
-              <a:latin typeface="+mn-ea"/>
-            </a:endParaRPr>
+              <a:t>(13) = </a:t>
+            </a:r>
           </a:p>
           <a:p>
             <a:r>
@@ -24370,7 +24358,15 @@
             <a:pPr algn="ctr"/>
             <a:r>
               <a:rPr lang="en-US" altLang="ko-KR" sz="2000" dirty="0" smtClean="0"/>
-              <a:t>h'(x) = x % 7</a:t>
+              <a:t>h'(x) = x </a:t>
+            </a:r>
+            <a:r>
+              <a:rPr lang="en-US" altLang="ko-KR" sz="2000" smtClean="0"/>
+              <a:t>% </a:t>
+            </a:r>
+            <a:r>
+              <a:rPr lang="en-US" altLang="ko-KR" sz="2000" smtClean="0"/>
+              <a:t>5</a:t>
             </a:r>
             <a:endParaRPr lang="en-US" altLang="ko-KR" sz="2000" dirty="0"/>
           </a:p>
@@ -24412,15 +24408,11 @@
             <a:pPr algn="ctr"/>
             <a:r>
               <a:rPr lang="en-US" altLang="ko-KR" sz="2000" dirty="0" smtClean="0"/>
-              <a:t>h(x) </a:t>
-            </a:r>
-            <a:r>
-              <a:rPr lang="en-US" altLang="ko-KR" sz="2000" smtClean="0"/>
-              <a:t>= x % </a:t>
+              <a:t>h(x) = x % </a:t>
             </a:r>
             <a:r>
               <a:rPr lang="en-US" altLang="ko-KR" sz="2000" dirty="0" smtClean="0"/>
-              <a:t>10</a:t>
+              <a:t>7</a:t>
             </a:r>
             <a:endParaRPr lang="en-US" altLang="ko-KR" sz="2000" dirty="0"/>
           </a:p>

--- a/ppts/PSet Final HashingQuiz.pptx
+++ b/ppts/PSet Final HashingQuiz.pptx
@@ -6736,11 +6736,11 @@
               <a:t>For example, </a:t>
             </a:r>
             <a:r>
-              <a:rPr lang="en-US" altLang="ko-KR" sz="1600" spc="-5" dirty="0">
+              <a:rPr lang="en-US" altLang="ko-KR" sz="1600" spc="-5" dirty="0" smtClean="0">
                 <a:latin typeface="Tahoma"/>
                 <a:cs typeface="Tahoma"/>
               </a:rPr>
-              <a:t>quadratic </a:t>
+              <a:t>linear </a:t>
             </a:r>
             <a:r>
               <a:rPr lang="en-US" altLang="ko-KR" sz="1600" spc="-5" dirty="0" smtClean="0">
@@ -7013,11 +7013,11 @@
               <a:t>For example, </a:t>
             </a:r>
             <a:r>
-              <a:rPr lang="en-US" altLang="ko-KR" sz="1600" spc="-5" dirty="0">
+              <a:rPr lang="en-US" altLang="ko-KR" sz="1600" spc="-5" dirty="0" smtClean="0">
                 <a:latin typeface="Tahoma"/>
                 <a:cs typeface="Tahoma"/>
               </a:rPr>
-              <a:t>quadratic </a:t>
+              <a:t>linear </a:t>
             </a:r>
             <a:r>
               <a:rPr lang="en-US" altLang="ko-KR" sz="1600" spc="-5" dirty="0" smtClean="0">
@@ -24362,11 +24362,7 @@
             </a:r>
             <a:r>
               <a:rPr lang="en-US" altLang="ko-KR" sz="2000" smtClean="0"/>
-              <a:t>% </a:t>
-            </a:r>
-            <a:r>
-              <a:rPr lang="en-US" altLang="ko-KR" sz="2000" smtClean="0"/>
-              <a:t>5</a:t>
+              <a:t>% 5</a:t>
             </a:r>
             <a:endParaRPr lang="en-US" altLang="ko-KR" sz="2000" dirty="0"/>
           </a:p>
@@ -24408,11 +24404,7 @@
             <a:pPr algn="ctr"/>
             <a:r>
               <a:rPr lang="en-US" altLang="ko-KR" sz="2000" dirty="0" smtClean="0"/>
-              <a:t>h(x) = x % </a:t>
-            </a:r>
-            <a:r>
-              <a:rPr lang="en-US" altLang="ko-KR" sz="2000" dirty="0" smtClean="0"/>
-              <a:t>7</a:t>
+              <a:t>h(x) = x % 7</a:t>
             </a:r>
             <a:endParaRPr lang="en-US" altLang="ko-KR" sz="2000" dirty="0"/>
           </a:p>

--- a/ppts/PSet Final HashingQuiz.pptx
+++ b/ppts/PSet Final HashingQuiz.pptx
@@ -217,7 +217,7 @@
           <a:p>
             <a:fld id="{648057B7-EFC7-4AC6-B479-CDD44EB7D654}" type="datetimeFigureOut">
               <a:rPr lang="ko-KR" altLang="en-US" smtClean="0"/>
-              <a:t>20-12-07</a:t>
+              <a:t>20-12-10</a:t>
             </a:fld>
             <a:endParaRPr lang="ko-KR" altLang="en-US"/>
           </a:p>
@@ -6733,21 +6733,7 @@
                 <a:latin typeface="Tahoma"/>
                 <a:cs typeface="Tahoma"/>
               </a:rPr>
-              <a:t>For example, </a:t>
-            </a:r>
-            <a:r>
-              <a:rPr lang="en-US" altLang="ko-KR" sz="1600" spc="-5" dirty="0" smtClean="0">
-                <a:latin typeface="Tahoma"/>
-                <a:cs typeface="Tahoma"/>
-              </a:rPr>
-              <a:t>linear </a:t>
-            </a:r>
-            <a:r>
-              <a:rPr lang="en-US" altLang="ko-KR" sz="1600" spc="-5" dirty="0" smtClean="0">
-                <a:latin typeface="Tahoma"/>
-                <a:cs typeface="Tahoma"/>
-              </a:rPr>
-              <a:t>probing for 69</a:t>
+              <a:t>For example, linear probing for 69</a:t>
             </a:r>
           </a:p>
           <a:p>
@@ -7010,21 +6996,7 @@
                 <a:latin typeface="Tahoma"/>
                 <a:cs typeface="Tahoma"/>
               </a:rPr>
-              <a:t>For example, </a:t>
-            </a:r>
-            <a:r>
-              <a:rPr lang="en-US" altLang="ko-KR" sz="1600" spc="-5" dirty="0" smtClean="0">
-                <a:latin typeface="Tahoma"/>
-                <a:cs typeface="Tahoma"/>
-              </a:rPr>
-              <a:t>linear </a:t>
-            </a:r>
-            <a:r>
-              <a:rPr lang="en-US" altLang="ko-KR" sz="1600" spc="-5" dirty="0" smtClean="0">
-                <a:latin typeface="Tahoma"/>
-                <a:cs typeface="Tahoma"/>
-              </a:rPr>
-              <a:t>probing for 58</a:t>
+              <a:t>For example, linear probing for 58</a:t>
             </a:r>
           </a:p>
           <a:p>
@@ -7265,7 +7237,14 @@
                 <a:latin typeface="Tahoma"/>
                 <a:cs typeface="Tahoma"/>
               </a:rPr>
-              <a:t>0 (collision)</a:t>
+              <a:t>9 </a:t>
+            </a:r>
+            <a:r>
+              <a:rPr lang="en-US" altLang="ko-KR" sz="1600" dirty="0" smtClean="0">
+                <a:latin typeface="Tahoma"/>
+                <a:cs typeface="Tahoma"/>
+              </a:rPr>
+              <a:t>(collision)</a:t>
             </a:r>
           </a:p>
           <a:p>
@@ -7353,7 +7332,7 @@
                 <a:latin typeface="Tahoma"/>
                 <a:cs typeface="Tahoma"/>
               </a:rPr>
-              <a:t>2 </a:t>
+              <a:t>0 </a:t>
             </a:r>
             <a:endParaRPr lang="en-US" altLang="ko-KR" sz="1600" dirty="0">
               <a:latin typeface="Tahoma"/>
@@ -17816,7 +17795,7 @@
           <a:p>
             <a:r>
               <a:rPr lang="en-US" altLang="ko-KR" spc="-5" dirty="0" smtClean="0"/>
-              <a:t>Linear Hashing Example</a:t>
+              <a:t>Linear Probing Example</a:t>
             </a:r>
             <a:endParaRPr lang="ko-KR" altLang="en-US" dirty="0"/>
           </a:p>
@@ -24358,11 +24337,7 @@
             <a:pPr algn="ctr"/>
             <a:r>
               <a:rPr lang="en-US" altLang="ko-KR" sz="2000" dirty="0" smtClean="0"/>
-              <a:t>h'(x) = x </a:t>
-            </a:r>
-            <a:r>
-              <a:rPr lang="en-US" altLang="ko-KR" sz="2000" smtClean="0"/>
-              <a:t>% 5</a:t>
+              <a:t>h'(x) = x % 5</a:t>
             </a:r>
             <a:endParaRPr lang="en-US" altLang="ko-KR" sz="2000" dirty="0"/>
           </a:p>
